--- a/Data_Experimentation_Capstone/Ad_ABdata_LH.pptx
+++ b/Data_Experimentation_Capstone/Ad_ABdata_LH.pptx
@@ -4281,7 +4281,7 @@
           </a:ln>
           <a:extLst>
             <a:ext uri="{C572A759-6A51-4108-AA02-DFA0A04FC94B}">
-              <ma14:wrappingTextBoxFlag xmlns="" xmlns:m="http://schemas.openxmlformats.org/officeDocument/2006/math" xmlns:a14="http://schemas.microsoft.com/office/drawing/2010/main" xmlns:ma14="http://schemas.microsoft.com/office/mac/drawingml/2011/main" val="1"/>
+              <ma14:wrappingTextBoxFlag xmlns:ma14="http://schemas.microsoft.com/office/mac/drawingml/2011/main" xmlns:a14="http://schemas.microsoft.com/office/drawing/2010/main" xmlns:m="http://schemas.openxmlformats.org/officeDocument/2006/math" xmlns="" val="1"/>
             </a:ext>
           </a:extLst>
         </p:spPr>
@@ -4333,7 +4333,7 @@
           </a:ln>
           <a:extLst>
             <a:ext uri="{C572A759-6A51-4108-AA02-DFA0A04FC94B}">
-              <ma14:wrappingTextBoxFlag xmlns="" xmlns:m="http://schemas.openxmlformats.org/officeDocument/2006/math" xmlns:a14="http://schemas.microsoft.com/office/drawing/2010/main" xmlns:ma14="http://schemas.microsoft.com/office/mac/drawingml/2011/main" val="1"/>
+              <ma14:wrappingTextBoxFlag xmlns:ma14="http://schemas.microsoft.com/office/mac/drawingml/2011/main" xmlns:a14="http://schemas.microsoft.com/office/drawing/2010/main" xmlns:m="http://schemas.openxmlformats.org/officeDocument/2006/math" xmlns="" val="1"/>
             </a:ext>
           </a:extLst>
         </p:spPr>
@@ -4368,8 +4368,8 @@
         </p:nvSpPr>
         <p:spPr>
           <a:xfrm>
-            <a:off x="6718923" y="2030441"/>
-            <a:ext cx="1249501" cy="583435"/>
+            <a:off x="6707048" y="2149196"/>
+            <a:ext cx="1249501" cy="461633"/>
           </a:xfrm>
           <a:prstGeom prst="rect">
             <a:avLst/>
@@ -4379,7 +4379,7 @@
           </a:ln>
           <a:extLst>
             <a:ext uri="{C572A759-6A51-4108-AA02-DFA0A04FC94B}">
-              <ma14:wrappingTextBoxFlag xmlns="" xmlns:m="http://schemas.openxmlformats.org/officeDocument/2006/math" xmlns:a14="http://schemas.microsoft.com/office/drawing/2010/main" xmlns:ma14="http://schemas.microsoft.com/office/mac/drawingml/2011/main" val="1"/>
+              <ma14:wrappingTextBoxFlag xmlns:ma14="http://schemas.microsoft.com/office/mac/drawingml/2011/main" xmlns:a14="http://schemas.microsoft.com/office/drawing/2010/main" xmlns:m="http://schemas.openxmlformats.org/officeDocument/2006/math" xmlns="" val="1"/>
             </a:ext>
           </a:extLst>
         </p:spPr>
@@ -4394,9 +4394,10 @@
           </a:lstStyle>
           <a:p>
             <a:r>
-              <a:rPr dirty="0"/>
-              <a:t>Statistical analysis</a:t>
-            </a:r>
+              <a:rPr lang="en-US" dirty="0"/>
+              <a:t>A/B testing</a:t>
+            </a:r>
+            <a:endParaRPr dirty="0"/>
           </a:p>
         </p:txBody>
       </p:sp>
@@ -4425,7 +4426,7 @@
           </a:ln>
           <a:extLst>
             <a:ext uri="{C572A759-6A51-4108-AA02-DFA0A04FC94B}">
-              <ma14:wrappingTextBoxFlag xmlns="" xmlns:m="http://schemas.openxmlformats.org/officeDocument/2006/math" xmlns:a14="http://schemas.microsoft.com/office/drawing/2010/main" xmlns:ma14="http://schemas.microsoft.com/office/mac/drawingml/2011/main" val="1"/>
+              <ma14:wrappingTextBoxFlag xmlns:ma14="http://schemas.microsoft.com/office/mac/drawingml/2011/main" xmlns:a14="http://schemas.microsoft.com/office/drawing/2010/main" xmlns:m="http://schemas.openxmlformats.org/officeDocument/2006/math" xmlns="" val="1"/>
             </a:ext>
           </a:extLst>
         </p:spPr>
@@ -4542,7 +4543,7 @@
             <a:effectLst/>
             <a:extLst>
               <a:ext uri="{C572A759-6A51-4108-AA02-DFA0A04FC94B}">
-                <ma14:wrappingTextBoxFlag xmlns="" xmlns:m="http://schemas.openxmlformats.org/officeDocument/2006/math" xmlns:a14="http://schemas.microsoft.com/office/drawing/2010/main" xmlns:ma14="http://schemas.microsoft.com/office/mac/drawingml/2011/main" val="1"/>
+                <ma14:wrappingTextBoxFlag xmlns:ma14="http://schemas.microsoft.com/office/mac/drawingml/2011/main" xmlns:a14="http://schemas.microsoft.com/office/drawing/2010/main" xmlns:m="http://schemas.openxmlformats.org/officeDocument/2006/math" xmlns="" val="1"/>
               </a:ext>
             </a:extLst>
           </p:spPr>
@@ -4665,7 +4666,7 @@
             <a:effectLst/>
             <a:extLst>
               <a:ext uri="{C572A759-6A51-4108-AA02-DFA0A04FC94B}">
-                <ma14:wrappingTextBoxFlag xmlns="" xmlns:m="http://schemas.openxmlformats.org/officeDocument/2006/math" xmlns:a14="http://schemas.microsoft.com/office/drawing/2010/main" xmlns:ma14="http://schemas.microsoft.com/office/mac/drawingml/2011/main" val="1"/>
+                <ma14:wrappingTextBoxFlag xmlns:ma14="http://schemas.microsoft.com/office/mac/drawingml/2011/main" xmlns:a14="http://schemas.microsoft.com/office/drawing/2010/main" xmlns:m="http://schemas.openxmlformats.org/officeDocument/2006/math" xmlns="" val="1"/>
               </a:ext>
             </a:extLst>
           </p:spPr>
@@ -4788,7 +4789,7 @@
             <a:effectLst/>
             <a:extLst>
               <a:ext uri="{C572A759-6A51-4108-AA02-DFA0A04FC94B}">
-                <ma14:wrappingTextBoxFlag xmlns="" xmlns:m="http://schemas.openxmlformats.org/officeDocument/2006/math" xmlns:a14="http://schemas.microsoft.com/office/drawing/2010/main" xmlns:ma14="http://schemas.microsoft.com/office/mac/drawingml/2011/main" val="1"/>
+                <ma14:wrappingTextBoxFlag xmlns:ma14="http://schemas.microsoft.com/office/mac/drawingml/2011/main" xmlns:a14="http://schemas.microsoft.com/office/drawing/2010/main" xmlns:m="http://schemas.openxmlformats.org/officeDocument/2006/math" xmlns="" val="1"/>
               </a:ext>
             </a:extLst>
           </p:spPr>
@@ -4916,7 +4917,7 @@
             <a:effectLst/>
             <a:extLst>
               <a:ext uri="{C572A759-6A51-4108-AA02-DFA0A04FC94B}">
-                <ma14:wrappingTextBoxFlag xmlns="" xmlns:m="http://schemas.openxmlformats.org/officeDocument/2006/math" xmlns:a14="http://schemas.microsoft.com/office/drawing/2010/main" xmlns:ma14="http://schemas.microsoft.com/office/mac/drawingml/2011/main" val="1"/>
+                <ma14:wrappingTextBoxFlag xmlns:ma14="http://schemas.microsoft.com/office/mac/drawingml/2011/main" xmlns:a14="http://schemas.microsoft.com/office/drawing/2010/main" xmlns:m="http://schemas.openxmlformats.org/officeDocument/2006/math" xmlns="" val="1"/>
               </a:ext>
             </a:extLst>
           </p:spPr>
